--- a/SERVIR_github.pptx
+++ b/SERVIR_github.pptx
@@ -8,7 +8,7 @@
     <p:notesMasterId r:id="rId22"/>
   </p:notesMasterIdLst>
   <p:sldIdLst>
-    <p:sldId id="256" r:id="rId2"/>
+    <p:sldId id="296" r:id="rId2"/>
     <p:sldId id="279" r:id="rId3"/>
     <p:sldId id="278" r:id="rId4"/>
     <p:sldId id="281" r:id="rId5"/>
@@ -228,7 +228,7 @@
             <a:fld id="{67AF7F29-26BD-49BD-AF8B-0B69192A32A3}" type="datetimeFigureOut">
               <a:rPr lang="en-US" smtClean="0"/>
               <a:pPr/>
-              <a:t>4/5/2016</a:t>
+              <a:t>4/12/2016</a:t>
             </a:fld>
             <a:endParaRPr lang="en-US"/>
           </a:p>
@@ -495,6 +495,90 @@
     </a:lvl9pPr>
   </p:notesStyle>
 </p:notesMaster>
+</file>
+
+<file path=ppt/notesSlides/notesSlide1.xml><?xml version="1.0" encoding="utf-8"?>
+<p:notes xmlns:a="http://schemas.openxmlformats.org/drawingml/2006/main" xmlns:r="http://schemas.openxmlformats.org/officeDocument/2006/relationships" xmlns:p="http://schemas.openxmlformats.org/presentationml/2006/main">
+  <p:cSld>
+    <p:spTree>
+      <p:nvGrpSpPr>
+        <p:cNvPr id="1" name=""/>
+        <p:cNvGrpSpPr/>
+        <p:nvPr/>
+      </p:nvGrpSpPr>
+      <p:grpSpPr>
+        <a:xfrm>
+          <a:off x="0" y="0"/>
+          <a:ext cx="0" cy="0"/>
+          <a:chOff x="0" y="0"/>
+          <a:chExt cx="0" cy="0"/>
+        </a:xfrm>
+      </p:grpSpPr>
+      <p:sp>
+        <p:nvSpPr>
+          <p:cNvPr id="2" name="Slide Image Placeholder 1"/>
+          <p:cNvSpPr>
+            <a:spLocks noGrp="1" noRot="1" noChangeAspect="1"/>
+          </p:cNvSpPr>
+          <p:nvPr>
+            <p:ph type="sldImg"/>
+          </p:nvPr>
+        </p:nvSpPr>
+        <p:spPr/>
+      </p:sp>
+      <p:sp>
+        <p:nvSpPr>
+          <p:cNvPr id="3" name="Notes Placeholder 2"/>
+          <p:cNvSpPr>
+            <a:spLocks noGrp="1"/>
+          </p:cNvSpPr>
+          <p:nvPr>
+            <p:ph type="body" idx="1"/>
+          </p:nvPr>
+        </p:nvSpPr>
+        <p:spPr/>
+        <p:txBody>
+          <a:bodyPr/>
+          <a:lstStyle/>
+          <a:p>
+            <a:endParaRPr lang="en-US" dirty="0"/>
+          </a:p>
+        </p:txBody>
+      </p:sp>
+      <p:sp>
+        <p:nvSpPr>
+          <p:cNvPr id="4" name="Slide Number Placeholder 3"/>
+          <p:cNvSpPr>
+            <a:spLocks noGrp="1"/>
+          </p:cNvSpPr>
+          <p:nvPr>
+            <p:ph type="sldNum" sz="quarter" idx="10"/>
+          </p:nvPr>
+        </p:nvSpPr>
+        <p:spPr/>
+        <p:txBody>
+          <a:bodyPr/>
+          <a:lstStyle/>
+          <a:p>
+            <a:fld id="{2451D870-87BB-4383-9DFB-EA80144A5544}" type="slidenum">
+              <a:rPr lang="en-US" smtClean="0"/>
+              <a:t>1</a:t>
+            </a:fld>
+            <a:endParaRPr lang="en-US" dirty="0"/>
+          </a:p>
+        </p:txBody>
+      </p:sp>
+    </p:spTree>
+    <p:extLst>
+      <p:ext uri="{BB962C8B-B14F-4D97-AF65-F5344CB8AC3E}">
+        <p14:creationId xmlns:p14="http://schemas.microsoft.com/office/powerpoint/2010/main" val="2471666655"/>
+      </p:ext>
+    </p:extLst>
+  </p:cSld>
+  <p:clrMapOvr>
+    <a:masterClrMapping/>
+  </p:clrMapOvr>
+</p:notes>
 </file>
 
 <file path=ppt/slideLayouts/slideLayout1.xml><?xml version="1.0" encoding="utf-8"?>
@@ -1041,6 +1125,508 @@
 </p:sldLayout>
 </file>
 
+<file path=ppt/slideLayouts/slideLayout10.xml><?xml version="1.0" encoding="utf-8"?>
+<p:sldLayout xmlns:a="http://schemas.openxmlformats.org/drawingml/2006/main" xmlns:r="http://schemas.openxmlformats.org/officeDocument/2006/relationships" xmlns:p="http://schemas.openxmlformats.org/presentationml/2006/main" userDrawn="1">
+  <p:cSld name="1_Title Slide">
+    <p:spTree>
+      <p:nvGrpSpPr>
+        <p:cNvPr id="1" name=""/>
+        <p:cNvGrpSpPr/>
+        <p:nvPr/>
+      </p:nvGrpSpPr>
+      <p:grpSpPr>
+        <a:xfrm>
+          <a:off x="0" y="0"/>
+          <a:ext cx="0" cy="0"/>
+          <a:chOff x="0" y="0"/>
+          <a:chExt cx="0" cy="0"/>
+        </a:xfrm>
+      </p:grpSpPr>
+      <p:pic>
+        <p:nvPicPr>
+          <p:cNvPr id="7" name="Picture 6" descr="SERVIR_PPT_background1.jpg"/>
+          <p:cNvPicPr>
+            <a:picLocks noChangeAspect="1"/>
+          </p:cNvPicPr>
+          <p:nvPr userDrawn="1"/>
+        </p:nvPicPr>
+        <p:blipFill>
+          <a:blip r:embed="rId2"/>
+          <a:stretch>
+            <a:fillRect/>
+          </a:stretch>
+        </p:blipFill>
+        <p:spPr>
+          <a:xfrm>
+            <a:off x="0" y="0"/>
+            <a:ext cx="9144001" cy="6858001"/>
+          </a:xfrm>
+          <a:prstGeom prst="rect">
+            <a:avLst/>
+          </a:prstGeom>
+        </p:spPr>
+      </p:pic>
+      <p:sp>
+        <p:nvSpPr>
+          <p:cNvPr id="2" name="Title 1"/>
+          <p:cNvSpPr>
+            <a:spLocks noGrp="1"/>
+          </p:cNvSpPr>
+          <p:nvPr userDrawn="1">
+            <p:ph type="ctrTitle"/>
+          </p:nvPr>
+        </p:nvSpPr>
+        <p:spPr>
+          <a:xfrm>
+            <a:off x="501440" y="418288"/>
+            <a:ext cx="8062336" cy="2159880"/>
+          </a:xfrm>
+        </p:spPr>
+        <p:txBody>
+          <a:bodyPr>
+            <a:noAutofit/>
+          </a:bodyPr>
+          <a:lstStyle>
+            <a:lvl1pPr algn="l">
+              <a:lnSpc>
+                <a:spcPct val="80000"/>
+              </a:lnSpc>
+              <a:defRPr sz="4400" i="0" baseline="0">
+                <a:solidFill>
+                  <a:schemeClr val="bg1"/>
+                </a:solidFill>
+              </a:defRPr>
+            </a:lvl1pPr>
+          </a:lstStyle>
+          <a:p>
+            <a:endParaRPr lang="en-US" dirty="0"/>
+          </a:p>
+        </p:txBody>
+      </p:sp>
+      <p:sp>
+        <p:nvSpPr>
+          <p:cNvPr id="3" name="Subtitle 2"/>
+          <p:cNvSpPr>
+            <a:spLocks noGrp="1"/>
+          </p:cNvSpPr>
+          <p:nvPr userDrawn="1">
+            <p:ph type="subTitle" idx="1"/>
+          </p:nvPr>
+        </p:nvSpPr>
+        <p:spPr>
+          <a:xfrm>
+            <a:off x="559263" y="4483561"/>
+            <a:ext cx="8004513" cy="536513"/>
+          </a:xfrm>
+        </p:spPr>
+        <p:txBody>
+          <a:bodyPr anchor="b">
+            <a:noAutofit/>
+          </a:bodyPr>
+          <a:lstStyle>
+            <a:lvl1pPr marL="0" indent="0" algn="l">
+              <a:buNone/>
+              <a:defRPr sz="2400" baseline="0">
+                <a:solidFill>
+                  <a:schemeClr val="bg1">
+                    <a:lumMod val="75000"/>
+                  </a:schemeClr>
+                </a:solidFill>
+              </a:defRPr>
+            </a:lvl1pPr>
+            <a:lvl2pPr marL="457200" indent="0" algn="ctr">
+              <a:buNone/>
+              <a:defRPr>
+                <a:solidFill>
+                  <a:schemeClr val="tx1">
+                    <a:tint val="75000"/>
+                  </a:schemeClr>
+                </a:solidFill>
+              </a:defRPr>
+            </a:lvl2pPr>
+            <a:lvl3pPr marL="914400" indent="0" algn="ctr">
+              <a:buNone/>
+              <a:defRPr>
+                <a:solidFill>
+                  <a:schemeClr val="tx1">
+                    <a:tint val="75000"/>
+                  </a:schemeClr>
+                </a:solidFill>
+              </a:defRPr>
+            </a:lvl3pPr>
+            <a:lvl4pPr marL="1371600" indent="0" algn="ctr">
+              <a:buNone/>
+              <a:defRPr>
+                <a:solidFill>
+                  <a:schemeClr val="tx1">
+                    <a:tint val="75000"/>
+                  </a:schemeClr>
+                </a:solidFill>
+              </a:defRPr>
+            </a:lvl4pPr>
+            <a:lvl5pPr marL="1828800" indent="0" algn="ctr">
+              <a:buNone/>
+              <a:defRPr>
+                <a:solidFill>
+                  <a:schemeClr val="tx1">
+                    <a:tint val="75000"/>
+                  </a:schemeClr>
+                </a:solidFill>
+              </a:defRPr>
+            </a:lvl5pPr>
+            <a:lvl6pPr marL="2286000" indent="0" algn="ctr">
+              <a:buNone/>
+              <a:defRPr>
+                <a:solidFill>
+                  <a:schemeClr val="tx1">
+                    <a:tint val="75000"/>
+                  </a:schemeClr>
+                </a:solidFill>
+              </a:defRPr>
+            </a:lvl6pPr>
+            <a:lvl7pPr marL="2743200" indent="0" algn="ctr">
+              <a:buNone/>
+              <a:defRPr>
+                <a:solidFill>
+                  <a:schemeClr val="tx1">
+                    <a:tint val="75000"/>
+                  </a:schemeClr>
+                </a:solidFill>
+              </a:defRPr>
+            </a:lvl7pPr>
+            <a:lvl8pPr marL="3200400" indent="0" algn="ctr">
+              <a:buNone/>
+              <a:defRPr>
+                <a:solidFill>
+                  <a:schemeClr val="tx1">
+                    <a:tint val="75000"/>
+                  </a:schemeClr>
+                </a:solidFill>
+              </a:defRPr>
+            </a:lvl8pPr>
+            <a:lvl9pPr marL="3657600" indent="0" algn="ctr">
+              <a:buNone/>
+              <a:defRPr>
+                <a:solidFill>
+                  <a:schemeClr val="tx1">
+                    <a:tint val="75000"/>
+                  </a:schemeClr>
+                </a:solidFill>
+              </a:defRPr>
+            </a:lvl9pPr>
+          </a:lstStyle>
+          <a:p>
+            <a:endParaRPr lang="en-US" dirty="0"/>
+          </a:p>
+        </p:txBody>
+      </p:sp>
+      <p:sp>
+        <p:nvSpPr>
+          <p:cNvPr id="16" name="Text Placeholder 15"/>
+          <p:cNvSpPr>
+            <a:spLocks noGrp="1"/>
+          </p:cNvSpPr>
+          <p:nvPr userDrawn="1">
+            <p:ph type="body" sz="quarter" idx="10" hasCustomPrompt="1"/>
+          </p:nvPr>
+        </p:nvSpPr>
+        <p:spPr>
+          <a:xfrm>
+            <a:off x="558578" y="5207866"/>
+            <a:ext cx="5227153" cy="455613"/>
+          </a:xfrm>
+        </p:spPr>
+        <p:txBody>
+          <a:bodyPr anchor="t">
+            <a:noAutofit/>
+          </a:bodyPr>
+          <a:lstStyle>
+            <a:lvl1pPr>
+              <a:buNone/>
+              <a:defRPr sz="1600" baseline="0">
+                <a:solidFill>
+                  <a:schemeClr val="bg1">
+                    <a:lumMod val="75000"/>
+                  </a:schemeClr>
+                </a:solidFill>
+              </a:defRPr>
+            </a:lvl1pPr>
+            <a:lvl2pPr>
+              <a:defRPr sz="1600">
+                <a:solidFill>
+                  <a:schemeClr val="bg1">
+                    <a:lumMod val="75000"/>
+                  </a:schemeClr>
+                </a:solidFill>
+              </a:defRPr>
+            </a:lvl2pPr>
+            <a:lvl3pPr>
+              <a:defRPr sz="1600">
+                <a:solidFill>
+                  <a:schemeClr val="bg1">
+                    <a:lumMod val="75000"/>
+                  </a:schemeClr>
+                </a:solidFill>
+              </a:defRPr>
+            </a:lvl3pPr>
+            <a:lvl4pPr>
+              <a:defRPr sz="1600">
+                <a:solidFill>
+                  <a:schemeClr val="bg1">
+                    <a:lumMod val="75000"/>
+                  </a:schemeClr>
+                </a:solidFill>
+              </a:defRPr>
+            </a:lvl4pPr>
+            <a:lvl5pPr>
+              <a:defRPr sz="1600">
+                <a:solidFill>
+                  <a:schemeClr val="bg1">
+                    <a:lumMod val="75000"/>
+                  </a:schemeClr>
+                </a:solidFill>
+              </a:defRPr>
+            </a:lvl5pPr>
+          </a:lstStyle>
+          <a:p>
+            <a:pPr lvl="0"/>
+            <a:r>
+              <a:rPr lang="en-US" dirty="0" smtClean="0"/>
+              <a:t>Huntsville, AL, 15 July 2015</a:t>
+            </a:r>
+            <a:endParaRPr lang="en-US" dirty="0"/>
+          </a:p>
+        </p:txBody>
+      </p:sp>
+      <p:sp>
+        <p:nvSpPr>
+          <p:cNvPr id="10" name="Rounded Rectangle 9"/>
+          <p:cNvSpPr/>
+          <p:nvPr/>
+        </p:nvSpPr>
+        <p:spPr>
+          <a:xfrm>
+            <a:off x="3650194" y="6087881"/>
+            <a:ext cx="5108102" cy="583545"/>
+          </a:xfrm>
+          <a:prstGeom prst="roundRect">
+            <a:avLst>
+              <a:gd name="adj" fmla="val 50000"/>
+            </a:avLst>
+          </a:prstGeom>
+          <a:solidFill>
+            <a:schemeClr val="bg1"/>
+          </a:solidFill>
+          <a:ln>
+            <a:noFill/>
+          </a:ln>
+          <a:effectLst>
+            <a:outerShdw blurRad="228600" dist="23000" dir="5400000" rotWithShape="0">
+              <a:srgbClr val="000000"/>
+            </a:outerShdw>
+          </a:effectLst>
+        </p:spPr>
+        <p:style>
+          <a:lnRef idx="1">
+            <a:schemeClr val="accent1"/>
+          </a:lnRef>
+          <a:fillRef idx="3">
+            <a:schemeClr val="accent1"/>
+          </a:fillRef>
+          <a:effectRef idx="2">
+            <a:schemeClr val="accent1"/>
+          </a:effectRef>
+          <a:fontRef idx="minor">
+            <a:schemeClr val="lt1"/>
+          </a:fontRef>
+        </p:style>
+        <p:txBody>
+          <a:bodyPr rtlCol="0" anchor="ctr"/>
+          <a:lstStyle/>
+          <a:p>
+            <a:pPr algn="ctr"/>
+            <a:endParaRPr lang="en-US" dirty="0"/>
+          </a:p>
+        </p:txBody>
+      </p:sp>
+      <p:pic>
+        <p:nvPicPr>
+          <p:cNvPr id="11" name="Picture 10" descr="NASA-Logo.png"/>
+          <p:cNvPicPr>
+            <a:picLocks noChangeAspect="1"/>
+          </p:cNvPicPr>
+          <p:nvPr/>
+        </p:nvPicPr>
+        <p:blipFill>
+          <a:blip r:embed="rId3"/>
+          <a:stretch>
+            <a:fillRect/>
+          </a:stretch>
+        </p:blipFill>
+        <p:spPr>
+          <a:xfrm>
+            <a:off x="5038680" y="6156231"/>
+            <a:ext cx="581710" cy="465367"/>
+          </a:xfrm>
+          <a:prstGeom prst="rect">
+            <a:avLst/>
+          </a:prstGeom>
+        </p:spPr>
+      </p:pic>
+      <p:pic>
+        <p:nvPicPr>
+          <p:cNvPr id="12" name="Picture 11" descr="USAID Logo_Blue.png"/>
+          <p:cNvPicPr>
+            <a:picLocks noChangeAspect="1"/>
+          </p:cNvPicPr>
+          <p:nvPr/>
+        </p:nvPicPr>
+        <p:blipFill>
+          <a:blip r:embed="rId4"/>
+          <a:stretch>
+            <a:fillRect/>
+          </a:stretch>
+        </p:blipFill>
+        <p:spPr>
+          <a:xfrm>
+            <a:off x="3850493" y="6226310"/>
+            <a:ext cx="1037778" cy="316610"/>
+          </a:xfrm>
+          <a:prstGeom prst="rect">
+            <a:avLst/>
+          </a:prstGeom>
+        </p:spPr>
+      </p:pic>
+      <p:pic>
+        <p:nvPicPr>
+          <p:cNvPr id="13" name="Picture 2" descr="http://agcommons.files.wordpress.com/2009/11/rcmrd_logo2.jpg"/>
+          <p:cNvPicPr>
+            <a:picLocks noChangeAspect="1" noChangeArrowheads="1"/>
+          </p:cNvPicPr>
+          <p:nvPr userDrawn="1"/>
+        </p:nvPicPr>
+        <p:blipFill>
+          <a:blip r:embed="rId5" cstate="print">
+            <a:extLst>
+              <a:ext uri="{28A0092B-C50C-407E-A947-70E740481C1C}">
+                <a14:useLocalDpi xmlns:a14="http://schemas.microsoft.com/office/drawing/2010/main"/>
+              </a:ext>
+            </a:extLst>
+          </a:blip>
+          <a:srcRect/>
+          <a:stretch>
+            <a:fillRect/>
+          </a:stretch>
+        </p:blipFill>
+        <p:spPr bwMode="auto">
+          <a:xfrm>
+            <a:off x="5753716" y="6156232"/>
+            <a:ext cx="403914" cy="446842"/>
+          </a:xfrm>
+          <a:prstGeom prst="rect">
+            <a:avLst/>
+          </a:prstGeom>
+          <a:noFill/>
+        </p:spPr>
+      </p:pic>
+      <p:pic>
+        <p:nvPicPr>
+          <p:cNvPr id="14" name="Picture 5" descr="http://t3.gstatic.com/images?q=tbn:ANd9GcTmOgek_gOgtUcCOcn6FoeM5U60y7eimBEWU7p9hckt7C8IrAo&amp;t=1&amp;usg=__qtSegkn91O3IRLhuZ4wYMHFBm1Y="/>
+          <p:cNvPicPr>
+            <a:picLocks noChangeAspect="1" noChangeArrowheads="1"/>
+          </p:cNvPicPr>
+          <p:nvPr userDrawn="1"/>
+        </p:nvPicPr>
+        <p:blipFill>
+          <a:blip r:embed="rId6" cstate="print">
+            <a:extLst>
+              <a:ext uri="{28A0092B-C50C-407E-A947-70E740481C1C}">
+                <a14:useLocalDpi xmlns:a14="http://schemas.microsoft.com/office/drawing/2010/main"/>
+              </a:ext>
+            </a:extLst>
+          </a:blip>
+          <a:srcRect/>
+          <a:stretch>
+            <a:fillRect/>
+          </a:stretch>
+        </p:blipFill>
+        <p:spPr bwMode="auto">
+          <a:xfrm>
+            <a:off x="6327769" y="6186134"/>
+            <a:ext cx="1367006" cy="431337"/>
+          </a:xfrm>
+          <a:prstGeom prst="rect">
+            <a:avLst/>
+          </a:prstGeom>
+          <a:noFill/>
+        </p:spPr>
+      </p:pic>
+      <p:pic>
+        <p:nvPicPr>
+          <p:cNvPr id="15" name="Picture 14" descr="Global.png"/>
+          <p:cNvPicPr>
+            <a:picLocks noChangeAspect="1"/>
+          </p:cNvPicPr>
+          <p:nvPr userDrawn="1"/>
+        </p:nvPicPr>
+        <p:blipFill rotWithShape="1">
+          <a:blip r:embed="rId7"/>
+          <a:srcRect r="47387"/>
+          <a:stretch/>
+        </p:blipFill>
+        <p:spPr>
+          <a:xfrm>
+            <a:off x="624959" y="6120346"/>
+            <a:ext cx="2323736" cy="551080"/>
+          </a:xfrm>
+          <a:prstGeom prst="rect">
+            <a:avLst/>
+          </a:prstGeom>
+        </p:spPr>
+      </p:pic>
+      <p:pic>
+        <p:nvPicPr>
+          <p:cNvPr id="17" name="Picture 16"/>
+          <p:cNvPicPr>
+            <a:picLocks noChangeAspect="1"/>
+          </p:cNvPicPr>
+          <p:nvPr userDrawn="1"/>
+        </p:nvPicPr>
+        <p:blipFill>
+          <a:blip r:embed="rId8">
+            <a:extLst>
+              <a:ext uri="{28A0092B-C50C-407E-A947-70E740481C1C}">
+                <a14:useLocalDpi xmlns:a14="http://schemas.microsoft.com/office/drawing/2010/main" val="0"/>
+              </a:ext>
+            </a:extLst>
+          </a:blip>
+          <a:stretch>
+            <a:fillRect/>
+          </a:stretch>
+        </p:blipFill>
+        <p:spPr>
+          <a:xfrm>
+            <a:off x="7795900" y="6218922"/>
+            <a:ext cx="762000" cy="365760"/>
+          </a:xfrm>
+          <a:prstGeom prst="rect">
+            <a:avLst/>
+          </a:prstGeom>
+        </p:spPr>
+      </p:pic>
+    </p:spTree>
+    <p:extLst>
+      <p:ext uri="{BB962C8B-B14F-4D97-AF65-F5344CB8AC3E}">
+        <p14:creationId xmlns:p14="http://schemas.microsoft.com/office/powerpoint/2010/main" val="1381069566"/>
+      </p:ext>
+    </p:extLst>
+  </p:cSld>
+  <p:clrMapOvr>
+    <a:masterClrMapping/>
+  </p:clrMapOvr>
+</p:sldLayout>
+</file>
+
 <file path=ppt/slideLayouts/slideLayout2.xml><?xml version="1.0" encoding="utf-8"?>
 <p:sldLayout xmlns:a="http://schemas.openxmlformats.org/drawingml/2006/main" xmlns:r="http://schemas.openxmlformats.org/officeDocument/2006/relationships" xmlns:p="http://schemas.openxmlformats.org/presentationml/2006/main" preserve="1" userDrawn="1">
   <p:cSld name="Custom Layout">
@@ -3065,6 +3651,7 @@
     <p:sldLayoutId id="2147483655" r:id="rId7"/>
     <p:sldLayoutId id="2147483656" r:id="rId8"/>
     <p:sldLayoutId id="2147483657" r:id="rId9"/>
+    <p:sldLayoutId id="2147483658" r:id="rId10"/>
   </p:sldLayoutIdLst>
   <p:txStyles>
     <p:titleStyle>
@@ -3338,7 +3925,7 @@
       </p:grpSpPr>
       <p:sp>
         <p:nvSpPr>
-          <p:cNvPr id="16" name="Title 15"/>
+          <p:cNvPr id="4" name="Title 3"/>
           <p:cNvSpPr>
             <a:spLocks noGrp="1"/>
           </p:cNvSpPr>
@@ -3346,53 +3933,27 @@
             <p:ph type="ctrTitle"/>
           </p:nvPr>
         </p:nvSpPr>
-        <p:spPr/>
+        <p:spPr>
+          <a:xfrm>
+            <a:off x="501440" y="418288"/>
+            <a:ext cx="8496256" cy="2159880"/>
+          </a:xfrm>
+        </p:spPr>
         <p:txBody>
           <a:bodyPr/>
           <a:lstStyle/>
           <a:p>
-            <a:pPr algn="ctr"/>
             <a:r>
               <a:rPr lang="en-US" dirty="0"/>
               <a:t>GitHub demo/tutorial</a:t>
             </a:r>
-          </a:p>
-        </p:txBody>
-      </p:sp>
-      <p:sp>
-        <p:nvSpPr>
-          <p:cNvPr id="5" name="Subtitle 4"/>
-          <p:cNvSpPr>
-            <a:spLocks noGrp="1"/>
-          </p:cNvSpPr>
-          <p:nvPr>
-            <p:ph type="subTitle" idx="1"/>
-          </p:nvPr>
-        </p:nvSpPr>
-        <p:spPr>
-          <a:xfrm>
-            <a:off x="682782" y="4798885"/>
-            <a:ext cx="6804433" cy="536513"/>
-          </a:xfrm>
-        </p:spPr>
-        <p:txBody>
-          <a:bodyPr/>
-          <a:lstStyle/>
-          <a:p>
-            <a:r>
-              <a:rPr lang="en-US" dirty="0" smtClean="0"/>
-              <a:t>SERVIR </a:t>
-            </a:r>
-            <a:r>
-              <a:rPr lang="en-US" dirty="0"/>
-              <a:t>Global GIT Exchange</a:t>
-            </a:r>
-          </a:p>
-        </p:txBody>
-      </p:sp>
-      <p:sp>
-        <p:nvSpPr>
-          <p:cNvPr id="17" name="Subtitle 16"/>
+            <a:endParaRPr lang="en-US" i="1" dirty="0"/>
+          </a:p>
+        </p:txBody>
+      </p:sp>
+      <p:sp>
+        <p:nvSpPr>
+          <p:cNvPr id="6" name="Text Placeholder 5"/>
           <p:cNvSpPr>
             <a:spLocks noGrp="1"/>
           </p:cNvSpPr>
@@ -3400,20 +3961,43 @@
             <p:ph type="body" sz="quarter" idx="10"/>
           </p:nvPr>
         </p:nvSpPr>
-        <p:spPr/>
+        <p:spPr>
+          <a:xfrm>
+            <a:off x="558578" y="5322442"/>
+            <a:ext cx="5227153" cy="642929"/>
+          </a:xfrm>
+        </p:spPr>
         <p:txBody>
           <a:bodyPr/>
           <a:lstStyle/>
           <a:p>
             <a:r>
-              <a:rPr lang="en-US" dirty="0" smtClean="0"/>
+              <a:rPr lang="en-US" dirty="0"/>
+              <a:t>SERVIR Global GIT Exchange</a:t>
+            </a:r>
+          </a:p>
+          <a:p>
+            <a:r>
+              <a:rPr lang="en-US" dirty="0"/>
               <a:t>Created By: Billy Ashmall</a:t>
             </a:r>
-            <a:endParaRPr lang="en-US" dirty="0"/>
+          </a:p>
+          <a:p>
+            <a:pPr lvl="0"/>
+            <a:endParaRPr lang="en-US" dirty="0">
+              <a:solidFill>
+                <a:srgbClr val="FFFFFF"/>
+              </a:solidFill>
+            </a:endParaRPr>
           </a:p>
         </p:txBody>
       </p:sp>
     </p:spTree>
+    <p:extLst>
+      <p:ext uri="{BB962C8B-B14F-4D97-AF65-F5344CB8AC3E}">
+        <p14:creationId xmlns:p14="http://schemas.microsoft.com/office/powerpoint/2010/main" val="2856314541"/>
+      </p:ext>
+    </p:extLst>
   </p:cSld>
   <p:clrMapOvr>
     <a:masterClrMapping/>
@@ -4795,11 +5379,7 @@
           <a:p>
             <a:r>
               <a:rPr lang="en-US" dirty="0" smtClean="0"/>
-              <a:t>Deleted merged </a:t>
-            </a:r>
-            <a:r>
-              <a:rPr lang="en-US" dirty="0" smtClean="0"/>
-              <a:t>branch</a:t>
+              <a:t>Deleted merged branch</a:t>
             </a:r>
           </a:p>
           <a:p>
@@ -4813,7 +5393,6 @@
               <a:rPr lang="en-US" dirty="0" smtClean="0"/>
               <a:t>Published a branch webpage</a:t>
             </a:r>
-            <a:endParaRPr lang="en-US" dirty="0" smtClean="0"/>
           </a:p>
           <a:p>
             <a:endParaRPr lang="en-US" dirty="0"/>
@@ -4904,13 +5483,8 @@
           <a:p>
             <a:r>
               <a:rPr lang="en-US" dirty="0" smtClean="0"/>
-              <a:t>What is </a:t>
-            </a:r>
-            <a:r>
-              <a:rPr lang="en-US" dirty="0" smtClean="0"/>
-              <a:t>GitHub</a:t>
-            </a:r>
-            <a:endParaRPr lang="en-US" dirty="0" smtClean="0"/>
+              <a:t>What is GitHub</a:t>
+            </a:r>
           </a:p>
           <a:p>
             <a:r>
@@ -4981,7 +5555,6 @@
               <a:rPr lang="en-US" dirty="0"/>
               <a:t>How to view a site on you GitHub Branch</a:t>
             </a:r>
-            <a:endParaRPr lang="en-US" dirty="0"/>
           </a:p>
         </p:txBody>
       </p:sp>
@@ -5398,13 +5971,8 @@
           <a:p>
             <a:r>
               <a:rPr lang="en-US" dirty="0" smtClean="0"/>
-              <a:t>Click Create </a:t>
-            </a:r>
-            <a:r>
-              <a:rPr lang="en-US" dirty="0" smtClean="0"/>
-              <a:t>Repository</a:t>
-            </a:r>
-            <a:endParaRPr lang="en-US" dirty="0" smtClean="0"/>
+              <a:t>Click Create Repository</a:t>
+            </a:r>
           </a:p>
           <a:p>
             <a:endParaRPr lang="en-US" dirty="0"/>

--- a/SERVIR_github.pptx
+++ b/SERVIR_github.pptx
@@ -5219,7 +5219,13 @@
               <a:rPr lang="en-US" dirty="0">
                 <a:hlinkClick r:id="rId2"/>
               </a:rPr>
-              <a:t>http://billyz313.github.io/SERVIR-Github-Demo</a:t>
+              <a:t>http</a:t>
+            </a:r>
+            <a:r>
+              <a:rPr lang="en-US" dirty="0" smtClean="0">
+                <a:hlinkClick r:id="rId2"/>
+              </a:rPr>
+              <a:t>://servir.github.io/SERVIR-Github-Demo</a:t>
             </a:r>
             <a:r>
               <a:rPr lang="en-US" dirty="0" smtClean="0">
